--- a/lecture10/aval_lecture10.pptx
+++ b/lecture10/aval_lecture10.pptx
@@ -230,7 +230,7 @@
           <a:p>
             <a:fld id="{245B7D56-965F-469F-BEA5-E8F39E79D044}" type="datetimeFigureOut">
               <a:rPr lang="en-US" smtClean="0"/>
-              <a:t>5/4/2023</a:t>
+              <a:t>5/8/2023</a:t>
             </a:fld>
             <a:endParaRPr lang="en-US"/>
           </a:p>
@@ -732,7 +732,7 @@
           <a:p>
             <a:fld id="{27692000-C1C0-4642-A41E-B90B2B2FE916}" type="datetimeFigureOut">
               <a:rPr lang="en-US" smtClean="0"/>
-              <a:t>5/4/2023</a:t>
+              <a:t>5/8/2023</a:t>
             </a:fld>
             <a:endParaRPr lang="en-US"/>
           </a:p>
@@ -930,7 +930,7 @@
           <a:p>
             <a:fld id="{27692000-C1C0-4642-A41E-B90B2B2FE916}" type="datetimeFigureOut">
               <a:rPr lang="en-US" smtClean="0"/>
-              <a:t>5/4/2023</a:t>
+              <a:t>5/8/2023</a:t>
             </a:fld>
             <a:endParaRPr lang="en-US"/>
           </a:p>
@@ -1138,7 +1138,7 @@
           <a:p>
             <a:fld id="{27692000-C1C0-4642-A41E-B90B2B2FE916}" type="datetimeFigureOut">
               <a:rPr lang="en-US" smtClean="0"/>
-              <a:t>5/4/2023</a:t>
+              <a:t>5/8/2023</a:t>
             </a:fld>
             <a:endParaRPr lang="en-US"/>
           </a:p>
@@ -1336,7 +1336,7 @@
           <a:p>
             <a:fld id="{27692000-C1C0-4642-A41E-B90B2B2FE916}" type="datetimeFigureOut">
               <a:rPr lang="en-US" smtClean="0"/>
-              <a:t>5/4/2023</a:t>
+              <a:t>5/8/2023</a:t>
             </a:fld>
             <a:endParaRPr lang="en-US"/>
           </a:p>
@@ -1611,7 +1611,7 @@
           <a:p>
             <a:fld id="{27692000-C1C0-4642-A41E-B90B2B2FE916}" type="datetimeFigureOut">
               <a:rPr lang="en-US" smtClean="0"/>
-              <a:t>5/4/2023</a:t>
+              <a:t>5/8/2023</a:t>
             </a:fld>
             <a:endParaRPr lang="en-US"/>
           </a:p>
@@ -1876,7 +1876,7 @@
           <a:p>
             <a:fld id="{27692000-C1C0-4642-A41E-B90B2B2FE916}" type="datetimeFigureOut">
               <a:rPr lang="en-US" smtClean="0"/>
-              <a:t>5/4/2023</a:t>
+              <a:t>5/8/2023</a:t>
             </a:fld>
             <a:endParaRPr lang="en-US"/>
           </a:p>
@@ -2288,7 +2288,7 @@
           <a:p>
             <a:fld id="{27692000-C1C0-4642-A41E-B90B2B2FE916}" type="datetimeFigureOut">
               <a:rPr lang="en-US" smtClean="0"/>
-              <a:t>5/4/2023</a:t>
+              <a:t>5/8/2023</a:t>
             </a:fld>
             <a:endParaRPr lang="en-US"/>
           </a:p>
@@ -2429,7 +2429,7 @@
           <a:p>
             <a:fld id="{27692000-C1C0-4642-A41E-B90B2B2FE916}" type="datetimeFigureOut">
               <a:rPr lang="en-US" smtClean="0"/>
-              <a:t>5/4/2023</a:t>
+              <a:t>5/8/2023</a:t>
             </a:fld>
             <a:endParaRPr lang="en-US"/>
           </a:p>
@@ -2542,7 +2542,7 @@
           <a:p>
             <a:fld id="{27692000-C1C0-4642-A41E-B90B2B2FE916}" type="datetimeFigureOut">
               <a:rPr lang="en-US" smtClean="0"/>
-              <a:t>5/4/2023</a:t>
+              <a:t>5/8/2023</a:t>
             </a:fld>
             <a:endParaRPr lang="en-US"/>
           </a:p>
@@ -2853,7 +2853,7 @@
           <a:p>
             <a:fld id="{27692000-C1C0-4642-A41E-B90B2B2FE916}" type="datetimeFigureOut">
               <a:rPr lang="en-US" smtClean="0"/>
-              <a:t>5/4/2023</a:t>
+              <a:t>5/8/2023</a:t>
             </a:fld>
             <a:endParaRPr lang="en-US"/>
           </a:p>
@@ -3141,7 +3141,7 @@
           <a:p>
             <a:fld id="{27692000-C1C0-4642-A41E-B90B2B2FE916}" type="datetimeFigureOut">
               <a:rPr lang="en-US" smtClean="0"/>
-              <a:t>5/4/2023</a:t>
+              <a:t>5/8/2023</a:t>
             </a:fld>
             <a:endParaRPr lang="en-US"/>
           </a:p>
@@ -3382,7 +3382,7 @@
           <a:p>
             <a:fld id="{27692000-C1C0-4642-A41E-B90B2B2FE916}" type="datetimeFigureOut">
               <a:rPr lang="en-US" smtClean="0"/>
-              <a:t>5/4/2023</a:t>
+              <a:t>5/8/2023</a:t>
             </a:fld>
             <a:endParaRPr lang="en-US"/>
           </a:p>
@@ -5066,6 +5066,547 @@
           </a:p>
         </p:txBody>
       </p:sp>
+      <p:sp>
+        <p:nvSpPr>
+          <p:cNvPr id="6" name="Rectangle 5">
+            <a:extLst>
+              <a:ext uri="{FF2B5EF4-FFF2-40B4-BE49-F238E27FC236}">
+                <a16:creationId xmlns:a16="http://schemas.microsoft.com/office/drawing/2014/main" id="{2E8C0107-3600-6337-7DF1-03C1708F1046}"/>
+              </a:ext>
+            </a:extLst>
+          </p:cNvPr>
+          <p:cNvSpPr/>
+          <p:nvPr/>
+        </p:nvSpPr>
+        <p:spPr>
+          <a:xfrm>
+            <a:off x="4926227" y="4003589"/>
+            <a:ext cx="1351005" cy="584887"/>
+          </a:xfrm>
+          <a:prstGeom prst="rect">
+            <a:avLst/>
+          </a:prstGeom>
+        </p:spPr>
+        <p:style>
+          <a:lnRef idx="2">
+            <a:schemeClr val="dk1"/>
+          </a:lnRef>
+          <a:fillRef idx="1">
+            <a:schemeClr val="lt1"/>
+          </a:fillRef>
+          <a:effectRef idx="0">
+            <a:schemeClr val="dk1"/>
+          </a:effectRef>
+          <a:fontRef idx="minor">
+            <a:schemeClr val="dk1"/>
+          </a:fontRef>
+        </p:style>
+        <p:txBody>
+          <a:bodyPr rtlCol="0" anchor="ctr"/>
+          <a:lstStyle/>
+          <a:p>
+            <a:pPr algn="ctr"/>
+            <a:r>
+              <a:rPr lang="da-DK" dirty="0"/>
+              <a:t>Blog</a:t>
+            </a:r>
+            <a:endParaRPr lang="en-US" dirty="0"/>
+          </a:p>
+        </p:txBody>
+      </p:sp>
+      <p:sp>
+        <p:nvSpPr>
+          <p:cNvPr id="7" name="Rectangle 6">
+            <a:extLst>
+              <a:ext uri="{FF2B5EF4-FFF2-40B4-BE49-F238E27FC236}">
+                <a16:creationId xmlns:a16="http://schemas.microsoft.com/office/drawing/2014/main" id="{74A58D60-0717-FD34-DF4B-154A71285859}"/>
+              </a:ext>
+            </a:extLst>
+          </p:cNvPr>
+          <p:cNvSpPr/>
+          <p:nvPr/>
+        </p:nvSpPr>
+        <p:spPr>
+          <a:xfrm>
+            <a:off x="7207078" y="4399005"/>
+            <a:ext cx="1351005" cy="584887"/>
+          </a:xfrm>
+          <a:prstGeom prst="rect">
+            <a:avLst/>
+          </a:prstGeom>
+        </p:spPr>
+        <p:style>
+          <a:lnRef idx="2">
+            <a:schemeClr val="dk1"/>
+          </a:lnRef>
+          <a:fillRef idx="1">
+            <a:schemeClr val="lt1"/>
+          </a:fillRef>
+          <a:effectRef idx="0">
+            <a:schemeClr val="dk1"/>
+          </a:effectRef>
+          <a:fontRef idx="minor">
+            <a:schemeClr val="dk1"/>
+          </a:fontRef>
+        </p:style>
+        <p:txBody>
+          <a:bodyPr rtlCol="0" anchor="ctr"/>
+          <a:lstStyle/>
+          <a:p>
+            <a:pPr algn="ctr"/>
+            <a:r>
+              <a:rPr lang="da-DK" dirty="0"/>
+              <a:t>Post</a:t>
+            </a:r>
+            <a:endParaRPr lang="en-US" dirty="0"/>
+          </a:p>
+        </p:txBody>
+      </p:sp>
+      <p:cxnSp>
+        <p:nvCxnSpPr>
+          <p:cNvPr id="9" name="Connector: Elbow 8">
+            <a:extLst>
+              <a:ext uri="{FF2B5EF4-FFF2-40B4-BE49-F238E27FC236}">
+                <a16:creationId xmlns:a16="http://schemas.microsoft.com/office/drawing/2014/main" id="{BF85A598-6652-F772-AC89-9FBC5B6E6834}"/>
+              </a:ext>
+            </a:extLst>
+          </p:cNvPr>
+          <p:cNvCxnSpPr>
+            <a:stCxn id="6" idx="3"/>
+            <a:endCxn id="7" idx="1"/>
+          </p:cNvCxnSpPr>
+          <p:nvPr/>
+        </p:nvCxnSpPr>
+        <p:spPr>
+          <a:xfrm>
+            <a:off x="6277232" y="4296033"/>
+            <a:ext cx="929846" cy="395416"/>
+          </a:xfrm>
+          <a:prstGeom prst="bentConnector3">
+            <a:avLst/>
+          </a:prstGeom>
+        </p:spPr>
+        <p:style>
+          <a:lnRef idx="1">
+            <a:schemeClr val="accent1"/>
+          </a:lnRef>
+          <a:fillRef idx="0">
+            <a:schemeClr val="accent1"/>
+          </a:fillRef>
+          <a:effectRef idx="0">
+            <a:schemeClr val="accent1"/>
+          </a:effectRef>
+          <a:fontRef idx="minor">
+            <a:schemeClr val="tx1"/>
+          </a:fontRef>
+        </p:style>
+      </p:cxnSp>
+      <p:sp>
+        <p:nvSpPr>
+          <p:cNvPr id="12" name="TextBox 11">
+            <a:extLst>
+              <a:ext uri="{FF2B5EF4-FFF2-40B4-BE49-F238E27FC236}">
+                <a16:creationId xmlns:a16="http://schemas.microsoft.com/office/drawing/2014/main" id="{3425FE80-053B-A480-A4DB-F4C645CCAFA8}"/>
+              </a:ext>
+            </a:extLst>
+          </p:cNvPr>
+          <p:cNvSpPr txBox="1"/>
+          <p:nvPr/>
+        </p:nvSpPr>
+        <p:spPr>
+          <a:xfrm>
+            <a:off x="6285469" y="3995351"/>
+            <a:ext cx="301686" cy="369332"/>
+          </a:xfrm>
+          <a:prstGeom prst="rect">
+            <a:avLst/>
+          </a:prstGeom>
+          <a:noFill/>
+        </p:spPr>
+        <p:txBody>
+          <a:bodyPr wrap="none" rtlCol="0">
+            <a:spAutoFit/>
+          </a:bodyPr>
+          <a:lstStyle/>
+          <a:p>
+            <a:r>
+              <a:rPr lang="da-DK" dirty="0"/>
+              <a:t>1</a:t>
+            </a:r>
+            <a:endParaRPr lang="en-US" dirty="0"/>
+          </a:p>
+        </p:txBody>
+      </p:sp>
+      <p:sp>
+        <p:nvSpPr>
+          <p:cNvPr id="13" name="TextBox 12">
+            <a:extLst>
+              <a:ext uri="{FF2B5EF4-FFF2-40B4-BE49-F238E27FC236}">
+                <a16:creationId xmlns:a16="http://schemas.microsoft.com/office/drawing/2014/main" id="{88D9238C-4D03-E2DF-E6C4-5060E2DA48DD}"/>
+              </a:ext>
+            </a:extLst>
+          </p:cNvPr>
+          <p:cNvSpPr txBox="1"/>
+          <p:nvPr/>
+        </p:nvSpPr>
+        <p:spPr>
+          <a:xfrm>
+            <a:off x="6905392" y="4309075"/>
+            <a:ext cx="301686" cy="369332"/>
+          </a:xfrm>
+          <a:prstGeom prst="rect">
+            <a:avLst/>
+          </a:prstGeom>
+          <a:noFill/>
+        </p:spPr>
+        <p:txBody>
+          <a:bodyPr wrap="none" rtlCol="0">
+            <a:spAutoFit/>
+          </a:bodyPr>
+          <a:lstStyle/>
+          <a:p>
+            <a:r>
+              <a:rPr lang="da-DK" dirty="0"/>
+              <a:t>*</a:t>
+            </a:r>
+            <a:endParaRPr lang="en-US" dirty="0"/>
+          </a:p>
+        </p:txBody>
+      </p:sp>
+      <p:sp>
+        <p:nvSpPr>
+          <p:cNvPr id="14" name="TextBox 13">
+            <a:extLst>
+              <a:ext uri="{FF2B5EF4-FFF2-40B4-BE49-F238E27FC236}">
+                <a16:creationId xmlns:a16="http://schemas.microsoft.com/office/drawing/2014/main" id="{E52EF151-9BE2-2E80-EB0E-7BDD181CA85C}"/>
+              </a:ext>
+            </a:extLst>
+          </p:cNvPr>
+          <p:cNvSpPr txBox="1"/>
+          <p:nvPr/>
+        </p:nvSpPr>
+        <p:spPr>
+          <a:xfrm>
+            <a:off x="5217954" y="4691448"/>
+            <a:ext cx="914353" cy="369332"/>
+          </a:xfrm>
+          <a:prstGeom prst="rect">
+            <a:avLst/>
+          </a:prstGeom>
+          <a:noFill/>
+        </p:spPr>
+        <p:txBody>
+          <a:bodyPr wrap="none" rtlCol="0">
+            <a:spAutoFit/>
+          </a:bodyPr>
+          <a:lstStyle/>
+          <a:p>
+            <a:r>
+              <a:rPr lang="da-DK" dirty="0"/>
+              <a:t>Save(…)</a:t>
+            </a:r>
+            <a:endParaRPr lang="en-US" dirty="0"/>
+          </a:p>
+        </p:txBody>
+      </p:sp>
+      <p:sp>
+        <p:nvSpPr>
+          <p:cNvPr id="18" name="TextBox 17">
+            <a:extLst>
+              <a:ext uri="{FF2B5EF4-FFF2-40B4-BE49-F238E27FC236}">
+                <a16:creationId xmlns:a16="http://schemas.microsoft.com/office/drawing/2014/main" id="{A25AF99F-CE0B-0D40-B46A-2EF1B2128D02}"/>
+              </a:ext>
+            </a:extLst>
+          </p:cNvPr>
+          <p:cNvSpPr txBox="1"/>
+          <p:nvPr/>
+        </p:nvSpPr>
+        <p:spPr>
+          <a:xfrm>
+            <a:off x="5217954" y="4909262"/>
+            <a:ext cx="936475" cy="369332"/>
+          </a:xfrm>
+          <a:prstGeom prst="rect">
+            <a:avLst/>
+          </a:prstGeom>
+          <a:noFill/>
+        </p:spPr>
+        <p:txBody>
+          <a:bodyPr wrap="none" rtlCol="0">
+            <a:spAutoFit/>
+          </a:bodyPr>
+          <a:lstStyle/>
+          <a:p>
+            <a:r>
+              <a:rPr lang="da-DK" dirty="0"/>
+              <a:t>Load(…)</a:t>
+            </a:r>
+            <a:endParaRPr lang="en-US" dirty="0"/>
+          </a:p>
+        </p:txBody>
+      </p:sp>
+      <p:sp>
+        <p:nvSpPr>
+          <p:cNvPr id="19" name="TextBox 18">
+            <a:extLst>
+              <a:ext uri="{FF2B5EF4-FFF2-40B4-BE49-F238E27FC236}">
+                <a16:creationId xmlns:a16="http://schemas.microsoft.com/office/drawing/2014/main" id="{4247C81C-8115-B9A2-4130-0D73FA46771E}"/>
+              </a:ext>
+            </a:extLst>
+          </p:cNvPr>
+          <p:cNvSpPr txBox="1"/>
+          <p:nvPr/>
+        </p:nvSpPr>
+        <p:spPr>
+          <a:xfrm>
+            <a:off x="7265057" y="5069040"/>
+            <a:ext cx="914353" cy="369332"/>
+          </a:xfrm>
+          <a:prstGeom prst="rect">
+            <a:avLst/>
+          </a:prstGeom>
+          <a:noFill/>
+        </p:spPr>
+        <p:txBody>
+          <a:bodyPr wrap="none" rtlCol="0">
+            <a:spAutoFit/>
+          </a:bodyPr>
+          <a:lstStyle/>
+          <a:p>
+            <a:r>
+              <a:rPr lang="da-DK" dirty="0"/>
+              <a:t>Save(…)</a:t>
+            </a:r>
+            <a:endParaRPr lang="en-US" dirty="0"/>
+          </a:p>
+        </p:txBody>
+      </p:sp>
+      <p:sp>
+        <p:nvSpPr>
+          <p:cNvPr id="20" name="TextBox 19">
+            <a:extLst>
+              <a:ext uri="{FF2B5EF4-FFF2-40B4-BE49-F238E27FC236}">
+                <a16:creationId xmlns:a16="http://schemas.microsoft.com/office/drawing/2014/main" id="{701C6F45-63E2-AA78-2A8F-6AF4B40B6F9C}"/>
+              </a:ext>
+            </a:extLst>
+          </p:cNvPr>
+          <p:cNvSpPr txBox="1"/>
+          <p:nvPr/>
+        </p:nvSpPr>
+        <p:spPr>
+          <a:xfrm>
+            <a:off x="7265057" y="5286854"/>
+            <a:ext cx="936475" cy="369332"/>
+          </a:xfrm>
+          <a:prstGeom prst="rect">
+            <a:avLst/>
+          </a:prstGeom>
+          <a:noFill/>
+        </p:spPr>
+        <p:txBody>
+          <a:bodyPr wrap="none" rtlCol="0">
+            <a:spAutoFit/>
+          </a:bodyPr>
+          <a:lstStyle/>
+          <a:p>
+            <a:r>
+              <a:rPr lang="da-DK" dirty="0"/>
+              <a:t>Load(…)</a:t>
+            </a:r>
+            <a:endParaRPr lang="en-US" dirty="0"/>
+          </a:p>
+        </p:txBody>
+      </p:sp>
+      <p:sp>
+        <p:nvSpPr>
+          <p:cNvPr id="21" name="Rectangle 20">
+            <a:extLst>
+              <a:ext uri="{FF2B5EF4-FFF2-40B4-BE49-F238E27FC236}">
+                <a16:creationId xmlns:a16="http://schemas.microsoft.com/office/drawing/2014/main" id="{FB40B4EE-4313-D226-73DF-930D90583B06}"/>
+              </a:ext>
+            </a:extLst>
+          </p:cNvPr>
+          <p:cNvSpPr/>
+          <p:nvPr/>
+        </p:nvSpPr>
+        <p:spPr>
+          <a:xfrm>
+            <a:off x="9592961" y="3826919"/>
+            <a:ext cx="1351005" cy="584887"/>
+          </a:xfrm>
+          <a:prstGeom prst="rect">
+            <a:avLst/>
+          </a:prstGeom>
+        </p:spPr>
+        <p:style>
+          <a:lnRef idx="2">
+            <a:schemeClr val="dk1"/>
+          </a:lnRef>
+          <a:fillRef idx="1">
+            <a:schemeClr val="lt1"/>
+          </a:fillRef>
+          <a:effectRef idx="0">
+            <a:schemeClr val="dk1"/>
+          </a:effectRef>
+          <a:fontRef idx="minor">
+            <a:schemeClr val="dk1"/>
+          </a:fontRef>
+        </p:style>
+        <p:txBody>
+          <a:bodyPr rtlCol="0" anchor="ctr"/>
+          <a:lstStyle/>
+          <a:p>
+            <a:pPr algn="ctr"/>
+            <a:r>
+              <a:rPr lang="da-DK" dirty="0" err="1"/>
+              <a:t>Context</a:t>
+            </a:r>
+            <a:endParaRPr lang="en-US" dirty="0"/>
+          </a:p>
+        </p:txBody>
+      </p:sp>
+      <p:sp>
+        <p:nvSpPr>
+          <p:cNvPr id="22" name="TextBox 21">
+            <a:extLst>
+              <a:ext uri="{FF2B5EF4-FFF2-40B4-BE49-F238E27FC236}">
+                <a16:creationId xmlns:a16="http://schemas.microsoft.com/office/drawing/2014/main" id="{2795045A-ED5C-CD37-CB7D-DEC1B470AD1C}"/>
+              </a:ext>
+            </a:extLst>
+          </p:cNvPr>
+          <p:cNvSpPr txBox="1"/>
+          <p:nvPr/>
+        </p:nvSpPr>
+        <p:spPr>
+          <a:xfrm>
+            <a:off x="9745362" y="4588476"/>
+            <a:ext cx="1345240" cy="1200329"/>
+          </a:xfrm>
+          <a:prstGeom prst="rect">
+            <a:avLst/>
+          </a:prstGeom>
+          <a:noFill/>
+        </p:spPr>
+        <p:txBody>
+          <a:bodyPr wrap="none" rtlCol="0">
+            <a:spAutoFit/>
+          </a:bodyPr>
+          <a:lstStyle/>
+          <a:p>
+            <a:r>
+              <a:rPr lang="da-DK" dirty="0" err="1"/>
+              <a:t>SaveBlog</a:t>
+            </a:r>
+            <a:r>
+              <a:rPr lang="da-DK" dirty="0"/>
+              <a:t>(…)</a:t>
+            </a:r>
+          </a:p>
+          <a:p>
+            <a:r>
+              <a:rPr lang="da-DK" dirty="0" err="1"/>
+              <a:t>SavePost</a:t>
+            </a:r>
+            <a:r>
+              <a:rPr lang="da-DK" dirty="0"/>
+              <a:t>(…)</a:t>
+            </a:r>
+          </a:p>
+          <a:p>
+            <a:r>
+              <a:rPr lang="da-DK" dirty="0" err="1"/>
+              <a:t>LoadBlog</a:t>
+            </a:r>
+            <a:r>
+              <a:rPr lang="da-DK" dirty="0"/>
+              <a:t>(…)</a:t>
+            </a:r>
+          </a:p>
+          <a:p>
+            <a:r>
+              <a:rPr lang="da-DK" dirty="0" err="1"/>
+              <a:t>LoadPost</a:t>
+            </a:r>
+            <a:r>
+              <a:rPr lang="da-DK" dirty="0"/>
+              <a:t>(…)</a:t>
+            </a:r>
+            <a:endParaRPr lang="en-US" dirty="0"/>
+          </a:p>
+        </p:txBody>
+      </p:sp>
+      <p:cxnSp>
+        <p:nvCxnSpPr>
+          <p:cNvPr id="24" name="Straight Connector 23">
+            <a:extLst>
+              <a:ext uri="{FF2B5EF4-FFF2-40B4-BE49-F238E27FC236}">
+                <a16:creationId xmlns:a16="http://schemas.microsoft.com/office/drawing/2014/main" id="{B6CC6154-D4C6-4927-C581-0F0510233F4D}"/>
+              </a:ext>
+            </a:extLst>
+          </p:cNvPr>
+          <p:cNvCxnSpPr/>
+          <p:nvPr/>
+        </p:nvCxnSpPr>
+        <p:spPr>
+          <a:xfrm>
+            <a:off x="4926227" y="4691448"/>
+            <a:ext cx="1660928" cy="562258"/>
+          </a:xfrm>
+          <a:prstGeom prst="line">
+            <a:avLst/>
+          </a:prstGeom>
+        </p:spPr>
+        <p:style>
+          <a:lnRef idx="3">
+            <a:schemeClr val="accent2"/>
+          </a:lnRef>
+          <a:fillRef idx="0">
+            <a:schemeClr val="accent2"/>
+          </a:fillRef>
+          <a:effectRef idx="2">
+            <a:schemeClr val="accent2"/>
+          </a:effectRef>
+          <a:fontRef idx="minor">
+            <a:schemeClr val="tx1"/>
+          </a:fontRef>
+        </p:style>
+      </p:cxnSp>
+      <p:cxnSp>
+        <p:nvCxnSpPr>
+          <p:cNvPr id="25" name="Straight Connector 24">
+            <a:extLst>
+              <a:ext uri="{FF2B5EF4-FFF2-40B4-BE49-F238E27FC236}">
+                <a16:creationId xmlns:a16="http://schemas.microsoft.com/office/drawing/2014/main" id="{30763C70-67CC-37E4-F9A4-6F22AFEAA9E3}"/>
+              </a:ext>
+            </a:extLst>
+          </p:cNvPr>
+          <p:cNvCxnSpPr/>
+          <p:nvPr/>
+        </p:nvCxnSpPr>
+        <p:spPr>
+          <a:xfrm>
+            <a:off x="6943970" y="5092556"/>
+            <a:ext cx="1660928" cy="562258"/>
+          </a:xfrm>
+          <a:prstGeom prst="line">
+            <a:avLst/>
+          </a:prstGeom>
+        </p:spPr>
+        <p:style>
+          <a:lnRef idx="3">
+            <a:schemeClr val="accent2"/>
+          </a:lnRef>
+          <a:fillRef idx="0">
+            <a:schemeClr val="accent2"/>
+          </a:fillRef>
+          <a:effectRef idx="2">
+            <a:schemeClr val="accent2"/>
+          </a:effectRef>
+          <a:fontRef idx="minor">
+            <a:schemeClr val="tx1"/>
+          </a:fontRef>
+        </p:style>
+      </p:cxnSp>
     </p:spTree>
     <p:extLst>
       <p:ext uri="{BB962C8B-B14F-4D97-AF65-F5344CB8AC3E}">
@@ -8213,7 +8754,12 @@
             <p:ph idx="1"/>
           </p:nvPr>
         </p:nvSpPr>
-        <p:spPr/>
+        <p:spPr>
+          <a:xfrm>
+            <a:off x="846438" y="1825625"/>
+            <a:ext cx="10515600" cy="4351338"/>
+          </a:xfrm>
+        </p:spPr>
         <p:txBody>
           <a:bodyPr/>
           <a:lstStyle/>
